--- a/IEM_tutorial_walkthrough.pptx
+++ b/IEM_tutorial_walkthrough.pptx
@@ -13417,51 +13417,6 @@
                                       </p:cBhvr>
                                       <p:to>
                                         <p:strVal val="visible"/>
-                                      </p:to>
-                                    </p:set>
-                                  </p:childTnLst>
-                                </p:cTn>
-                              </p:par>
-                            </p:childTnLst>
-                          </p:cTn>
-                        </p:par>
-                      </p:childTnLst>
-                    </p:cTn>
-                  </p:par>
-                  <p:par>
-                    <p:cTn id="7" fill="hold">
-                      <p:stCondLst>
-                        <p:cond delay="indefinite"/>
-                      </p:stCondLst>
-                      <p:childTnLst>
-                        <p:par>
-                          <p:cTn id="8" fill="hold">
-                            <p:stCondLst>
-                              <p:cond delay="0"/>
-                            </p:stCondLst>
-                            <p:childTnLst>
-                              <p:par>
-                                <p:cTn id="9" presetID="1" presetClass="exit" presetSubtype="0" fill="hold" nodeType="clickEffect">
-                                  <p:stCondLst>
-                                    <p:cond delay="0"/>
-                                  </p:stCondLst>
-                                  <p:childTnLst>
-                                    <p:set>
-                                      <p:cBhvr>
-                                        <p:cTn id="10" dur="1" fill="hold">
-                                          <p:stCondLst>
-                                            <p:cond delay="0"/>
-                                          </p:stCondLst>
-                                        </p:cTn>
-                                        <p:tgtEl>
-                                          <p:spTgt spid="3"/>
-                                        </p:tgtEl>
-                                        <p:attrNameLst>
-                                          <p:attrName>style.visibility</p:attrName>
-                                        </p:attrNameLst>
-                                      </p:cBhvr>
-                                      <p:to>
-                                        <p:strVal val="hidden"/>
                                       </p:to>
                                     </p:set>
                                   </p:childTnLst>
